--- a/UI Playground.pptx
+++ b/UI Playground.pptx
@@ -6736,7 +6736,25 @@
                 </a:solidFill>
                 <a:cs typeface="Segoe UI" panose="020B0502040204020203" pitchFamily="34" charset="0"/>
               </a:rPr>
-              <a:t>Sure, it will take an Athletics check</a:t>
+              <a:t>Sure, you will have </a:t>
+            </a:r>
+            <a:r>
+              <a:rPr lang="en-US">
+                <a:solidFill>
+                  <a:schemeClr val="bg1"/>
+                </a:solidFill>
+                <a:cs typeface="Segoe UI" panose="020B0502040204020203" pitchFamily="34" charset="0"/>
+              </a:rPr>
+              <a:t>to make an Athletics </a:t>
+            </a:r>
+            <a:r>
+              <a:rPr lang="en-US" dirty="0">
+                <a:solidFill>
+                  <a:schemeClr val="bg1"/>
+                </a:solidFill>
+                <a:cs typeface="Segoe UI" panose="020B0502040204020203" pitchFamily="34" charset="0"/>
+              </a:rPr>
+              <a:t>check</a:t>
             </a:r>
           </a:p>
         </p:txBody>
